--- a/Chiplet Survey Title-in EDA flow Perspective.pptx
+++ b/Chiplet Survey Title-in EDA flow Perspective.pptx
@@ -6,6 +6,7 @@
   </p:sldMasterIdLst>
   <p:sldIdLst>
     <p:sldId id="256" r:id="rId2"/>
+    <p:sldId id="257" r:id="rId3"/>
   </p:sldIdLst>
   <p:sldSz cx="12192000" cy="6858000"/>
   <p:notesSz cx="6858000" cy="9144000"/>
@@ -104,6 +105,11 @@
       </a:defRPr>
     </a:lvl9pPr>
   </p:defaultTextStyle>
+  <p:extLst>
+    <p:ext uri="{EFAFB233-063F-42B5-8137-9DF3F51BA10A}">
+      <p15:sldGuideLst xmlns:p15="http://schemas.microsoft.com/office/powerpoint/2012/main"/>
+    </p:ext>
+  </p:extLst>
 </p:presentation>
 </file>
 
@@ -254,7 +260,7 @@
           <a:p>
             <a:fld id="{A4AC6A90-CB67-4B8B-9497-8C839F33B167}" type="datetimeFigureOut">
               <a:rPr lang="zh-CN" altLang="en-US" smtClean="0"/>
-              <a:t>2024/9/30</a:t>
+              <a:t>2024/10/7</a:t>
             </a:fld>
             <a:endParaRPr lang="zh-CN" altLang="en-US"/>
           </a:p>
@@ -452,7 +458,7 @@
           <a:p>
             <a:fld id="{A4AC6A90-CB67-4B8B-9497-8C839F33B167}" type="datetimeFigureOut">
               <a:rPr lang="zh-CN" altLang="en-US" smtClean="0"/>
-              <a:t>2024/9/30</a:t>
+              <a:t>2024/10/7</a:t>
             </a:fld>
             <a:endParaRPr lang="zh-CN" altLang="en-US"/>
           </a:p>
@@ -660,7 +666,7 @@
           <a:p>
             <a:fld id="{A4AC6A90-CB67-4B8B-9497-8C839F33B167}" type="datetimeFigureOut">
               <a:rPr lang="zh-CN" altLang="en-US" smtClean="0"/>
-              <a:t>2024/9/30</a:t>
+              <a:t>2024/10/7</a:t>
             </a:fld>
             <a:endParaRPr lang="zh-CN" altLang="en-US"/>
           </a:p>
@@ -858,7 +864,7 @@
           <a:p>
             <a:fld id="{A4AC6A90-CB67-4B8B-9497-8C839F33B167}" type="datetimeFigureOut">
               <a:rPr lang="zh-CN" altLang="en-US" smtClean="0"/>
-              <a:t>2024/9/30</a:t>
+              <a:t>2024/10/7</a:t>
             </a:fld>
             <a:endParaRPr lang="zh-CN" altLang="en-US"/>
           </a:p>
@@ -1133,7 +1139,7 @@
           <a:p>
             <a:fld id="{A4AC6A90-CB67-4B8B-9497-8C839F33B167}" type="datetimeFigureOut">
               <a:rPr lang="zh-CN" altLang="en-US" smtClean="0"/>
-              <a:t>2024/9/30</a:t>
+              <a:t>2024/10/7</a:t>
             </a:fld>
             <a:endParaRPr lang="zh-CN" altLang="en-US"/>
           </a:p>
@@ -1398,7 +1404,7 @@
           <a:p>
             <a:fld id="{A4AC6A90-CB67-4B8B-9497-8C839F33B167}" type="datetimeFigureOut">
               <a:rPr lang="zh-CN" altLang="en-US" smtClean="0"/>
-              <a:t>2024/9/30</a:t>
+              <a:t>2024/10/7</a:t>
             </a:fld>
             <a:endParaRPr lang="zh-CN" altLang="en-US"/>
           </a:p>
@@ -1810,7 +1816,7 @@
           <a:p>
             <a:fld id="{A4AC6A90-CB67-4B8B-9497-8C839F33B167}" type="datetimeFigureOut">
               <a:rPr lang="zh-CN" altLang="en-US" smtClean="0"/>
-              <a:t>2024/9/30</a:t>
+              <a:t>2024/10/7</a:t>
             </a:fld>
             <a:endParaRPr lang="zh-CN" altLang="en-US"/>
           </a:p>
@@ -1951,7 +1957,7 @@
           <a:p>
             <a:fld id="{A4AC6A90-CB67-4B8B-9497-8C839F33B167}" type="datetimeFigureOut">
               <a:rPr lang="zh-CN" altLang="en-US" smtClean="0"/>
-              <a:t>2024/9/30</a:t>
+              <a:t>2024/10/7</a:t>
             </a:fld>
             <a:endParaRPr lang="zh-CN" altLang="en-US"/>
           </a:p>
@@ -2064,7 +2070,7 @@
           <a:p>
             <a:fld id="{A4AC6A90-CB67-4B8B-9497-8C839F33B167}" type="datetimeFigureOut">
               <a:rPr lang="zh-CN" altLang="en-US" smtClean="0"/>
-              <a:t>2024/9/30</a:t>
+              <a:t>2024/10/7</a:t>
             </a:fld>
             <a:endParaRPr lang="zh-CN" altLang="en-US"/>
           </a:p>
@@ -2375,7 +2381,7 @@
           <a:p>
             <a:fld id="{A4AC6A90-CB67-4B8B-9497-8C839F33B167}" type="datetimeFigureOut">
               <a:rPr lang="zh-CN" altLang="en-US" smtClean="0"/>
-              <a:t>2024/9/30</a:t>
+              <a:t>2024/10/7</a:t>
             </a:fld>
             <a:endParaRPr lang="zh-CN" altLang="en-US"/>
           </a:p>
@@ -2663,7 +2669,7 @@
           <a:p>
             <a:fld id="{A4AC6A90-CB67-4B8B-9497-8C839F33B167}" type="datetimeFigureOut">
               <a:rPr lang="zh-CN" altLang="en-US" smtClean="0"/>
-              <a:t>2024/9/30</a:t>
+              <a:t>2024/10/7</a:t>
             </a:fld>
             <a:endParaRPr lang="zh-CN" altLang="en-US"/>
           </a:p>
@@ -2904,7 +2910,7 @@
           <a:p>
             <a:fld id="{A4AC6A90-CB67-4B8B-9497-8C839F33B167}" type="datetimeFigureOut">
               <a:rPr lang="zh-CN" altLang="en-US" smtClean="0"/>
-              <a:t>2024/9/30</a:t>
+              <a:t>2024/10/7</a:t>
             </a:fld>
             <a:endParaRPr lang="zh-CN" altLang="en-US"/>
           </a:p>
@@ -3470,6 +3476,439 @@
 </p:sld>
 </file>
 
+<file path=ppt/slides/slide2.xml><?xml version="1.0" encoding="utf-8"?>
+<p:sld xmlns:a="http://schemas.openxmlformats.org/drawingml/2006/main" xmlns:r="http://schemas.openxmlformats.org/officeDocument/2006/relationships" xmlns:p="http://schemas.openxmlformats.org/presentationml/2006/main">
+  <p:cSld>
+    <p:spTree>
+      <p:nvGrpSpPr>
+        <p:cNvPr id="1" name=""/>
+        <p:cNvGrpSpPr/>
+        <p:nvPr/>
+      </p:nvGrpSpPr>
+      <p:grpSpPr>
+        <a:xfrm>
+          <a:off x="0" y="0"/>
+          <a:ext cx="0" cy="0"/>
+          <a:chOff x="0" y="0"/>
+          <a:chExt cx="0" cy="0"/>
+        </a:xfrm>
+      </p:grpSpPr>
+      <p:sp>
+        <p:nvSpPr>
+          <p:cNvPr id="2" name="标题 1">
+            <a:extLst>
+              <a:ext uri="{FF2B5EF4-FFF2-40B4-BE49-F238E27FC236}">
+                <a16:creationId xmlns:a16="http://schemas.microsoft.com/office/drawing/2014/main" id="{5D216C5C-30CB-3565-781C-B55128A8F88F}"/>
+              </a:ext>
+            </a:extLst>
+          </p:cNvPr>
+          <p:cNvSpPr>
+            <a:spLocks noGrp="1"/>
+          </p:cNvSpPr>
+          <p:nvPr>
+            <p:ph type="title"/>
+          </p:nvPr>
+        </p:nvSpPr>
+        <p:spPr/>
+        <p:txBody>
+          <a:bodyPr>
+            <a:normAutofit/>
+          </a:bodyPr>
+          <a:lstStyle/>
+          <a:p>
+            <a:pPr algn="ctr"/>
+            <a:r>
+              <a:rPr lang="en-US" altLang="zh-CN" sz="3600" dirty="0"/>
+              <a:t>The Survey of 2.5D Integrated Architecture: An EDA Perspective (Invited Paper)</a:t>
+            </a:r>
+            <a:endParaRPr lang="zh-CN" altLang="en-US" sz="3600" dirty="0"/>
+          </a:p>
+        </p:txBody>
+      </p:sp>
+      <p:sp>
+        <p:nvSpPr>
+          <p:cNvPr id="4" name="文本框 3">
+            <a:extLst>
+              <a:ext uri="{FF2B5EF4-FFF2-40B4-BE49-F238E27FC236}">
+                <a16:creationId xmlns:a16="http://schemas.microsoft.com/office/drawing/2014/main" id="{54B72AE1-B914-A8F3-8019-0F2493E46FFB}"/>
+              </a:ext>
+            </a:extLst>
+          </p:cNvPr>
+          <p:cNvSpPr txBox="1"/>
+          <p:nvPr/>
+        </p:nvSpPr>
+        <p:spPr>
+          <a:xfrm>
+            <a:off x="838200" y="1965417"/>
+            <a:ext cx="9143999" cy="6001643"/>
+          </a:xfrm>
+          <a:prstGeom prst="rect">
+            <a:avLst/>
+          </a:prstGeom>
+          <a:noFill/>
+        </p:spPr>
+        <p:txBody>
+          <a:bodyPr wrap="square" rtlCol="0">
+            <a:spAutoFit/>
+          </a:bodyPr>
+          <a:lstStyle/>
+          <a:p>
+            <a:pPr marL="285750" indent="-285750">
+              <a:buFont typeface="Arial" panose="020B0604020202020204" pitchFamily="34" charset="0"/>
+              <a:buChar char="•"/>
+            </a:pPr>
+            <a:r>
+              <a:rPr lang="en-US" altLang="zh-CN" sz="2400" dirty="0"/>
+              <a:t>Introduction</a:t>
+            </a:r>
+          </a:p>
+          <a:p>
+            <a:pPr marL="285750" indent="-285750">
+              <a:buFont typeface="Arial" panose="020B0604020202020204" pitchFamily="34" charset="0"/>
+              <a:buChar char="•"/>
+            </a:pPr>
+            <a:r>
+              <a:rPr lang="en-US" altLang="zh-CN" sz="2400" dirty="0"/>
+              <a:t>2.5D Architecture Design</a:t>
+            </a:r>
+          </a:p>
+          <a:p>
+            <a:pPr marL="742950" lvl="1" indent="-285750">
+              <a:buFont typeface="Arial" panose="020B0604020202020204" pitchFamily="34" charset="0"/>
+              <a:buChar char="•"/>
+            </a:pPr>
+            <a:r>
+              <a:rPr lang="en-US" altLang="zh-CN" dirty="0"/>
+              <a:t>2.5D Integrated Architecture</a:t>
+            </a:r>
+          </a:p>
+          <a:p>
+            <a:pPr marL="742950" lvl="1" indent="-285750">
+              <a:buFont typeface="Arial" panose="020B0604020202020204" pitchFamily="34" charset="0"/>
+              <a:buChar char="•"/>
+            </a:pPr>
+            <a:r>
+              <a:rPr lang="en-US" altLang="zh-CN" dirty="0"/>
+              <a:t>Applications of 2.5D Architecture</a:t>
+            </a:r>
+          </a:p>
+          <a:p>
+            <a:pPr marL="742950" lvl="1" indent="-285750">
+              <a:buFont typeface="Arial" panose="020B0604020202020204" pitchFamily="34" charset="0"/>
+              <a:buChar char="•"/>
+            </a:pPr>
+            <a:r>
+              <a:rPr lang="en-US" altLang="zh-CN" dirty="0"/>
+              <a:t>Emergence Filed of Chiplet-based Arch</a:t>
+            </a:r>
+          </a:p>
+          <a:p>
+            <a:pPr marL="285750" indent="-285750">
+              <a:buFont typeface="Arial" panose="020B0604020202020204" pitchFamily="34" charset="0"/>
+              <a:buChar char="•"/>
+            </a:pPr>
+            <a:r>
+              <a:rPr lang="en-US" altLang="zh-CN" sz="2400" dirty="0"/>
+              <a:t>Simulation of 2.5D Architecture</a:t>
+            </a:r>
+          </a:p>
+          <a:p>
+            <a:pPr marL="742950" lvl="1" indent="-285750">
+              <a:buFont typeface="Arial" panose="020B0604020202020204" pitchFamily="34" charset="0"/>
+              <a:buChar char="•"/>
+            </a:pPr>
+            <a:r>
+              <a:rPr lang="en-US" altLang="zh-CN" dirty="0"/>
+              <a:t>Simulation in 2.5D Design</a:t>
+            </a:r>
+          </a:p>
+          <a:p>
+            <a:pPr marL="742950" lvl="1" indent="-285750">
+              <a:buFont typeface="Arial" panose="020B0604020202020204" pitchFamily="34" charset="0"/>
+              <a:buChar char="•"/>
+            </a:pPr>
+            <a:r>
+              <a:rPr lang="en-US" altLang="zh-CN" dirty="0"/>
+              <a:t>Thermal Simulation</a:t>
+            </a:r>
+          </a:p>
+          <a:p>
+            <a:pPr marL="742950" lvl="1" indent="-285750">
+              <a:buFont typeface="Arial" panose="020B0604020202020204" pitchFamily="34" charset="0"/>
+              <a:buChar char="•"/>
+            </a:pPr>
+            <a:r>
+              <a:rPr lang="en-US" altLang="zh-CN" dirty="0"/>
+              <a:t>Challenges and Bottlenecks</a:t>
+            </a:r>
+          </a:p>
+          <a:p>
+            <a:pPr marL="285750" indent="-285750">
+              <a:buFont typeface="Arial" panose="020B0604020202020204" pitchFamily="34" charset="0"/>
+              <a:buChar char="•"/>
+            </a:pPr>
+            <a:r>
+              <a:rPr lang="en-US" altLang="zh-CN" sz="2400" dirty="0"/>
+              <a:t>Physical Design of 2.5D IC</a:t>
+            </a:r>
+          </a:p>
+          <a:p>
+            <a:pPr marL="742950" lvl="1" indent="-285750">
+              <a:buFont typeface="Arial" panose="020B0604020202020204" pitchFamily="34" charset="0"/>
+              <a:buChar char="•"/>
+            </a:pPr>
+            <a:r>
+              <a:rPr lang="en-US" altLang="zh-CN" dirty="0"/>
+              <a:t>Physical Design in 2.5D IC</a:t>
+            </a:r>
+          </a:p>
+          <a:p>
+            <a:pPr marL="742950" lvl="1" indent="-285750">
+              <a:buFont typeface="Arial" panose="020B0604020202020204" pitchFamily="34" charset="0"/>
+              <a:buChar char="•"/>
+            </a:pPr>
+            <a:r>
+              <a:rPr lang="en-US" altLang="zh-CN" dirty="0"/>
+              <a:t>Current EDA Tools and Research</a:t>
+            </a:r>
+          </a:p>
+          <a:p>
+            <a:pPr marL="742950" lvl="1" indent="-285750">
+              <a:buFont typeface="Arial" panose="020B0604020202020204" pitchFamily="34" charset="0"/>
+              <a:buChar char="•"/>
+            </a:pPr>
+            <a:r>
+              <a:rPr lang="en-US" altLang="zh-CN" dirty="0"/>
+              <a:t>Floorplan and Placement of Chiplet</a:t>
+            </a:r>
+          </a:p>
+          <a:p>
+            <a:pPr marL="742950" lvl="1" indent="-285750">
+              <a:buFont typeface="Arial" panose="020B0604020202020204" pitchFamily="34" charset="0"/>
+              <a:buChar char="•"/>
+            </a:pPr>
+            <a:r>
+              <a:rPr lang="en-US" altLang="zh-CN" dirty="0"/>
+              <a:t>Challenges in Physical Design</a:t>
+            </a:r>
+          </a:p>
+          <a:p>
+            <a:pPr marL="742950" lvl="1" indent="-285750">
+              <a:buFont typeface="Arial" panose="020B0604020202020204" pitchFamily="34" charset="0"/>
+              <a:buChar char="•"/>
+            </a:pPr>
+            <a:endParaRPr lang="en-US" altLang="zh-CN" dirty="0"/>
+          </a:p>
+          <a:p>
+            <a:pPr marL="742950" lvl="1" indent="-285750">
+              <a:buFont typeface="Arial" panose="020B0604020202020204" pitchFamily="34" charset="0"/>
+              <a:buChar char="•"/>
+            </a:pPr>
+            <a:endParaRPr lang="en-US" altLang="zh-CN" dirty="0"/>
+          </a:p>
+          <a:p>
+            <a:pPr marL="285750" indent="-285750">
+              <a:buFont typeface="Arial" panose="020B0604020202020204" pitchFamily="34" charset="0"/>
+              <a:buChar char="•"/>
+            </a:pPr>
+            <a:endParaRPr lang="en-US" altLang="zh-CN" sz="3600" dirty="0"/>
+          </a:p>
+          <a:p>
+            <a:pPr marL="742950" lvl="1" indent="-285750">
+              <a:buFont typeface="Arial" panose="020B0604020202020204" pitchFamily="34" charset="0"/>
+              <a:buChar char="•"/>
+            </a:pPr>
+            <a:endParaRPr lang="en-US" altLang="zh-CN" sz="3600" dirty="0"/>
+          </a:p>
+        </p:txBody>
+      </p:sp>
+      <p:sp>
+        <p:nvSpPr>
+          <p:cNvPr id="6" name="文本框 5">
+            <a:extLst>
+              <a:ext uri="{FF2B5EF4-FFF2-40B4-BE49-F238E27FC236}">
+                <a16:creationId xmlns:a16="http://schemas.microsoft.com/office/drawing/2014/main" id="{8A640F20-01D2-48DC-3004-E1129DDC9B54}"/>
+              </a:ext>
+            </a:extLst>
+          </p:cNvPr>
+          <p:cNvSpPr txBox="1"/>
+          <p:nvPr/>
+        </p:nvSpPr>
+        <p:spPr>
+          <a:xfrm>
+            <a:off x="6210300" y="1965417"/>
+            <a:ext cx="6096000" cy="4339650"/>
+          </a:xfrm>
+          <a:prstGeom prst="rect">
+            <a:avLst/>
+          </a:prstGeom>
+          <a:noFill/>
+        </p:spPr>
+        <p:txBody>
+          <a:bodyPr wrap="square">
+            <a:spAutoFit/>
+          </a:bodyPr>
+          <a:lstStyle/>
+          <a:p>
+            <a:pPr marL="285750" indent="-285750">
+              <a:buFont typeface="Arial" panose="020B0604020202020204" pitchFamily="34" charset="0"/>
+              <a:buChar char="•"/>
+            </a:pPr>
+            <a:r>
+              <a:rPr lang="en-US" altLang="zh-CN" sz="2400" dirty="0"/>
+              <a:t>Inter-Chiplet Communication</a:t>
+            </a:r>
+          </a:p>
+          <a:p>
+            <a:pPr marL="742950" lvl="1" indent="-285750">
+              <a:buFont typeface="Arial" panose="020B0604020202020204" pitchFamily="34" charset="0"/>
+              <a:buChar char="•"/>
+            </a:pPr>
+            <a:r>
+              <a:rPr lang="en-US" altLang="zh-CN" dirty="0"/>
+              <a:t>Communication Challenges Between </a:t>
+            </a:r>
+            <a:r>
+              <a:rPr lang="en-US" altLang="zh-CN" dirty="0" err="1"/>
+              <a:t>Chiplets</a:t>
+            </a:r>
+            <a:endParaRPr lang="en-US" altLang="zh-CN" dirty="0"/>
+          </a:p>
+          <a:p>
+            <a:pPr marL="742950" lvl="1" indent="-285750">
+              <a:buFont typeface="Arial" panose="020B0604020202020204" pitchFamily="34" charset="0"/>
+              <a:buChar char="•"/>
+            </a:pPr>
+            <a:r>
+              <a:rPr lang="en-US" altLang="zh-CN" dirty="0"/>
+              <a:t>High-Speed Interfaces and Protocols</a:t>
+            </a:r>
+          </a:p>
+          <a:p>
+            <a:pPr marL="742950" lvl="1" indent="-285750">
+              <a:buFont typeface="Arial" panose="020B0604020202020204" pitchFamily="34" charset="0"/>
+              <a:buChar char="•"/>
+            </a:pPr>
+            <a:r>
+              <a:rPr lang="en-US" altLang="zh-CN" dirty="0"/>
+              <a:t>Optical-based Interface</a:t>
+            </a:r>
+          </a:p>
+          <a:p>
+            <a:pPr marL="742950" lvl="1" indent="-285750">
+              <a:buFont typeface="Arial" panose="020B0604020202020204" pitchFamily="34" charset="0"/>
+              <a:buChar char="•"/>
+            </a:pPr>
+            <a:r>
+              <a:rPr lang="en-US" altLang="zh-CN" dirty="0"/>
+              <a:t>Strategies for Effective Multi-Chip Communication</a:t>
+            </a:r>
+          </a:p>
+          <a:p>
+            <a:pPr marL="285750" indent="-285750">
+              <a:buFont typeface="Arial" panose="020B0604020202020204" pitchFamily="34" charset="0"/>
+              <a:buChar char="•"/>
+            </a:pPr>
+            <a:r>
+              <a:rPr lang="en-US" altLang="zh-CN" sz="2400" dirty="0"/>
+              <a:t>2.5D IC Modeling</a:t>
+            </a:r>
+          </a:p>
+          <a:p>
+            <a:pPr marL="742950" lvl="1" indent="-285750">
+              <a:buFont typeface="Arial" panose="020B0604020202020204" pitchFamily="34" charset="0"/>
+              <a:buChar char="•"/>
+            </a:pPr>
+            <a:r>
+              <a:rPr lang="en-US" altLang="zh-CN" dirty="0"/>
+              <a:t>Modeling in 2.5D Design</a:t>
+            </a:r>
+          </a:p>
+          <a:p>
+            <a:pPr marL="742950" lvl="1" indent="-285750">
+              <a:buFont typeface="Arial" panose="020B0604020202020204" pitchFamily="34" charset="0"/>
+              <a:buChar char="•"/>
+            </a:pPr>
+            <a:r>
+              <a:rPr lang="en-US" altLang="zh-CN" dirty="0"/>
+              <a:t>Power Modeling and Signal Integrity</a:t>
+            </a:r>
+          </a:p>
+          <a:p>
+            <a:pPr marL="742950" lvl="1" indent="-285750">
+              <a:buFont typeface="Arial" panose="020B0604020202020204" pitchFamily="34" charset="0"/>
+              <a:buChar char="•"/>
+            </a:pPr>
+            <a:r>
+              <a:rPr lang="en-US" altLang="zh-CN" dirty="0"/>
+              <a:t>Challenges and Bottlenecks</a:t>
+            </a:r>
+          </a:p>
+          <a:p>
+            <a:pPr marL="285750" indent="-285750">
+              <a:buFont typeface="Arial" panose="020B0604020202020204" pitchFamily="34" charset="0"/>
+              <a:buChar char="•"/>
+            </a:pPr>
+            <a:r>
+              <a:rPr lang="en-US" altLang="zh-CN" sz="2400" dirty="0"/>
+              <a:t>Future Direction and Challenges</a:t>
+            </a:r>
+          </a:p>
+          <a:p>
+            <a:pPr marL="742950" lvl="1" indent="-285750">
+              <a:buFont typeface="Arial" panose="020B0604020202020204" pitchFamily="34" charset="0"/>
+              <a:buChar char="•"/>
+            </a:pPr>
+            <a:r>
+              <a:rPr lang="en-US" altLang="zh-CN" dirty="0"/>
+              <a:t>Future Trends for 2.5D IC</a:t>
+            </a:r>
+          </a:p>
+          <a:p>
+            <a:pPr marL="742950" lvl="1" indent="-285750">
+              <a:buFont typeface="Arial" panose="020B0604020202020204" pitchFamily="34" charset="0"/>
+              <a:buChar char="•"/>
+            </a:pPr>
+            <a:r>
+              <a:rPr lang="en-US" altLang="zh-CN" dirty="0"/>
+              <a:t>Emergence of New Technologies</a:t>
+            </a:r>
+          </a:p>
+          <a:p>
+            <a:pPr marL="742950" lvl="1" indent="-285750">
+              <a:buFont typeface="Arial" panose="020B0604020202020204" pitchFamily="34" charset="0"/>
+              <a:buChar char="•"/>
+            </a:pPr>
+            <a:r>
+              <a:rPr lang="en-US" altLang="zh-CN" dirty="0"/>
+              <a:t>Current Challenges in 2.5D IC</a:t>
+            </a:r>
+          </a:p>
+          <a:p>
+            <a:pPr marL="285750" indent="-285750">
+              <a:buFont typeface="Arial" panose="020B0604020202020204" pitchFamily="34" charset="0"/>
+              <a:buChar char="•"/>
+            </a:pPr>
+            <a:r>
+              <a:rPr lang="en-US" altLang="zh-CN" sz="2400" dirty="0"/>
+              <a:t>Conclusion</a:t>
+            </a:r>
+          </a:p>
+        </p:txBody>
+      </p:sp>
+    </p:spTree>
+    <p:extLst>
+      <p:ext uri="{BB962C8B-B14F-4D97-AF65-F5344CB8AC3E}">
+        <p14:creationId xmlns:p14="http://schemas.microsoft.com/office/powerpoint/2010/main" val="1274230664"/>
+      </p:ext>
+    </p:extLst>
+  </p:cSld>
+  <p:clrMapOvr>
+    <a:masterClrMapping/>
+  </p:clrMapOvr>
+</p:sld>
+</file>
+
 <file path=ppt/theme/theme1.xml><?xml version="1.0" encoding="utf-8"?>
 <a:theme xmlns:a="http://schemas.openxmlformats.org/drawingml/2006/main" name="Office 主题​​">
   <a:themeElements>
